--- a/lessons/K_Ethics_APIs/APIs.pptx
+++ b/lessons/K_Ethics_APIs/APIs.pptx
@@ -225,7 +225,7 @@
           <a:p>
             <a:fld id="{B0C0A60C-850A-4EA4-9C14-A8FE98B94505}" type="datetimeFigureOut">
               <a:rPr lang="en-US" smtClean="0"/>
-              <a:t>4/14/21</a:t>
+              <a:t>4/15/21</a:t>
             </a:fld>
             <a:endParaRPr lang="en-US"/>
           </a:p>
@@ -624,7 +624,7 @@
           <a:p>
             <a:fld id="{5738B90E-0779-4C36-915C-6F05FCD89456}" type="datetime1">
               <a:rPr lang="en-US" smtClean="0"/>
-              <a:t>4/14/21</a:t>
+              <a:t>4/15/21</a:t>
             </a:fld>
             <a:endParaRPr lang="en-US"/>
           </a:p>
@@ -842,7 +842,7 @@
           <a:p>
             <a:fld id="{7B9EA29D-D431-42FE-B7B6-AAE4454C77D3}" type="datetime1">
               <a:rPr lang="en-US" smtClean="0"/>
-              <a:t>4/14/21</a:t>
+              <a:t>4/15/21</a:t>
             </a:fld>
             <a:endParaRPr lang="en-US"/>
           </a:p>
@@ -1120,7 +1120,7 @@
           <a:p>
             <a:fld id="{690D8A1E-EA8F-46C1-B891-AE0C00D9C314}" type="datetime1">
               <a:rPr lang="en-US" smtClean="0"/>
-              <a:t>4/14/21</a:t>
+              <a:t>4/15/21</a:t>
             </a:fld>
             <a:endParaRPr lang="en-US"/>
           </a:p>
@@ -1657,7 +1657,7 @@
           <a:p>
             <a:fld id="{690D8A1E-EA8F-46C1-B891-AE0C00D9C314}" type="datetime1">
               <a:rPr lang="en-US" smtClean="0"/>
-              <a:t>4/14/21</a:t>
+              <a:t>4/15/21</a:t>
             </a:fld>
             <a:endParaRPr lang="en-US"/>
           </a:p>
@@ -1864,7 +1864,7 @@
           <a:p>
             <a:fld id="{D753EFC8-4232-4598-94F6-94C0EBAFC469}" type="datetime1">
               <a:rPr lang="en-US" smtClean="0"/>
-              <a:t>4/14/21</a:t>
+              <a:t>4/15/21</a:t>
             </a:fld>
             <a:endParaRPr lang="en-US"/>
           </a:p>
@@ -2179,7 +2179,7 @@
           <a:p>
             <a:fld id="{F3161074-1C18-4AE7-957D-F18524378C85}" type="datetime1">
               <a:rPr lang="en-US" smtClean="0"/>
-              <a:t>4/14/21</a:t>
+              <a:t>4/15/21</a:t>
             </a:fld>
             <a:endParaRPr lang="en-US"/>
           </a:p>
@@ -2453,7 +2453,7 @@
           <a:p>
             <a:fld id="{69BE256C-8D9A-4404-B47D-41A1AE514425}" type="datetime1">
               <a:rPr lang="en-US" smtClean="0"/>
-              <a:t>4/14/21</a:t>
+              <a:t>4/15/21</a:t>
             </a:fld>
             <a:endParaRPr lang="en-US"/>
           </a:p>
@@ -2887,7 +2887,7 @@
           <a:p>
             <a:fld id="{66CB2154-9035-4012-8189-BAAB61C5A5EE}" type="datetime1">
               <a:rPr lang="en-US" smtClean="0"/>
-              <a:t>4/14/21</a:t>
+              <a:t>4/15/21</a:t>
             </a:fld>
             <a:endParaRPr lang="en-US"/>
           </a:p>
@@ -3079,7 +3079,7 @@
           <a:p>
             <a:fld id="{6700A58B-DD98-43D0-B791-721480A02982}" type="datetime1">
               <a:rPr lang="en-US" smtClean="0"/>
-              <a:t>4/14/21</a:t>
+              <a:t>4/15/21</a:t>
             </a:fld>
             <a:endParaRPr lang="en-US"/>
           </a:p>
@@ -3271,7 +3271,7 @@
           <a:p>
             <a:fld id="{7DB6E382-4F61-4E24-BE1A-377EC83D0E3A}" type="datetime1">
               <a:rPr lang="en-US" smtClean="0"/>
-              <a:t>4/14/21</a:t>
+              <a:t>4/15/21</a:t>
             </a:fld>
             <a:endParaRPr lang="en-US"/>
           </a:p>
@@ -3582,7 +3582,7 @@
           <a:p>
             <a:fld id="{4142EED6-FC16-45B9-B8C4-2BC5DBA88325}" type="datetime1">
               <a:rPr lang="en-US" smtClean="0"/>
-              <a:t>4/14/21</a:t>
+              <a:t>4/15/21</a:t>
             </a:fld>
             <a:endParaRPr lang="en-US"/>
           </a:p>
@@ -3900,7 +3900,7 @@
           <a:p>
             <a:fld id="{DF59512B-4F1D-43D7-8819-2F53FEF69650}" type="datetime1">
               <a:rPr lang="en-US" smtClean="0"/>
-              <a:t>4/14/21</a:t>
+              <a:t>4/15/21</a:t>
             </a:fld>
             <a:endParaRPr lang="en-US"/>
           </a:p>
@@ -4176,7 +4176,7 @@
           <a:p>
             <a:fld id="{08437B94-E2BF-44DC-ADC5-B05FC9934E9D}" type="datetime1">
               <a:rPr lang="en-US" smtClean="0"/>
-              <a:t>4/14/21</a:t>
+              <a:t>4/15/21</a:t>
             </a:fld>
             <a:endParaRPr lang="en-US"/>
           </a:p>
@@ -4643,7 +4643,7 @@
           <a:p>
             <a:fld id="{0D5B9A0F-CCD0-4348-8112-2A1A806F4019}" type="datetime1">
               <a:rPr lang="en-US" smtClean="0"/>
-              <a:t>4/14/21</a:t>
+              <a:t>4/15/21</a:t>
             </a:fld>
             <a:endParaRPr lang="en-US" dirty="0"/>
           </a:p>
@@ -4832,7 +4832,7 @@
           <a:p>
             <a:fld id="{6700A58B-DD98-43D0-B791-721480A02982}" type="datetime1">
               <a:rPr lang="en-US" smtClean="0"/>
-              <a:t>4/14/21</a:t>
+              <a:t>4/15/21</a:t>
             </a:fld>
             <a:endParaRPr lang="en-US"/>
           </a:p>
@@ -5183,7 +5183,7 @@
           <a:p>
             <a:fld id="{6700A58B-DD98-43D0-B791-721480A02982}" type="datetime1">
               <a:rPr lang="en-US" smtClean="0"/>
-              <a:t>4/14/21</a:t>
+              <a:t>4/15/21</a:t>
             </a:fld>
             <a:endParaRPr lang="en-US"/>
           </a:p>
@@ -5397,7 +5397,7 @@
           <a:p>
             <a:fld id="{6700A58B-DD98-43D0-B791-721480A02982}" type="datetime1">
               <a:rPr lang="en-US" smtClean="0"/>
-              <a:t>4/14/21</a:t>
+              <a:t>4/15/21</a:t>
             </a:fld>
             <a:endParaRPr lang="en-US"/>
           </a:p>
@@ -5543,7 +5543,7 @@
           <a:p>
             <a:fld id="{6700A58B-DD98-43D0-B791-721480A02982}" type="datetime1">
               <a:rPr lang="en-US" smtClean="0"/>
-              <a:t>4/14/21</a:t>
+              <a:t>4/15/21</a:t>
             </a:fld>
             <a:endParaRPr lang="en-US"/>
           </a:p>
@@ -5580,7 +5580,7 @@
         <p:spPr>
           <a:xfrm>
             <a:off x="545910" y="1705970"/>
-            <a:ext cx="2887009" cy="400110"/>
+            <a:ext cx="2877391" cy="400110"/>
           </a:xfrm>
           <a:prstGeom prst="rect">
             <a:avLst/>
@@ -5595,7 +5595,7 @@
           <a:p>
             <a:r>
               <a:rPr lang="en-US" sz="2000" dirty="0" err="1"/>
-              <a:t>A_youtubeAPI_example.R</a:t>
+              <a:t>B_youtubeAPI_example.R</a:t>
             </a:r>
             <a:endParaRPr lang="en-US" sz="2000" dirty="0"/>
           </a:p>
@@ -5688,7 +5688,7 @@
             <a:fld id="{6700A58B-DD98-43D0-B791-721480A02982}" type="datetime1">
               <a:rPr lang="en-US" smtClean="0"/>
               <a:pPr/>
-              <a:t>4/14/21</a:t>
+              <a:t>4/15/21</a:t>
             </a:fld>
             <a:endParaRPr lang="en-US"/>
           </a:p>
@@ -5876,7 +5876,7 @@
             <a:fld id="{6700A58B-DD98-43D0-B791-721480A02982}" type="datetime1">
               <a:rPr lang="en-US" smtClean="0"/>
               <a:pPr/>
-              <a:t>4/14/21</a:t>
+              <a:t>4/15/21</a:t>
             </a:fld>
             <a:endParaRPr lang="en-US"/>
           </a:p>
@@ -6052,7 +6052,7 @@
             <a:fld id="{6700A58B-DD98-43D0-B791-721480A02982}" type="datetime1">
               <a:rPr lang="en-US" smtClean="0"/>
               <a:pPr/>
-              <a:t>4/14/21</a:t>
+              <a:t>4/15/21</a:t>
             </a:fld>
             <a:endParaRPr lang="en-US"/>
           </a:p>
@@ -6149,7 +6149,7 @@
         <p:spPr>
           <a:xfrm>
             <a:off x="628650" y="1815107"/>
-            <a:ext cx="2313839" cy="369332"/>
+            <a:ext cx="2312236" cy="369332"/>
           </a:xfrm>
           <a:prstGeom prst="rect">
             <a:avLst/>
@@ -6164,7 +6164,7 @@
           <a:p>
             <a:r>
               <a:rPr lang="en-US" dirty="0" err="1"/>
-              <a:t>B_newsAPI_example.R</a:t>
+              <a:t>C_newsAPI_example.R</a:t>
             </a:r>
             <a:endParaRPr lang="en-US" dirty="0"/>
           </a:p>
@@ -6245,7 +6245,7 @@
           <a:p>
             <a:fld id="{6700A58B-DD98-43D0-B791-721480A02982}" type="datetime1">
               <a:rPr lang="en-US" smtClean="0"/>
-              <a:t>4/14/21</a:t>
+              <a:t>4/15/21</a:t>
             </a:fld>
             <a:endParaRPr lang="en-US"/>
           </a:p>
@@ -6282,7 +6282,7 @@
         <p:spPr>
           <a:xfrm>
             <a:off x="545910" y="1705970"/>
-            <a:ext cx="4402615" cy="1015663"/>
+            <a:ext cx="4321119" cy="1015663"/>
           </a:xfrm>
           <a:prstGeom prst="rect">
             <a:avLst/>
@@ -6311,7 +6311,7 @@
           <a:p>
             <a:r>
               <a:rPr lang="en-US" sz="2000" dirty="0" err="1"/>
-              <a:t>C_presidentialApproval.R</a:t>
+              <a:t>D_presidentialApproval.R</a:t>
             </a:r>
             <a:r>
               <a:rPr lang="en-US" sz="2000" dirty="0"/>
@@ -6528,7 +6528,7 @@
           <a:p>
             <a:fld id="{6700A58B-DD98-43D0-B791-721480A02982}" type="datetime1">
               <a:rPr lang="en-US" smtClean="0"/>
-              <a:t>4/14/21</a:t>
+              <a:t>4/15/21</a:t>
             </a:fld>
             <a:endParaRPr lang="en-US"/>
           </a:p>
@@ -6970,7 +6970,7 @@
           <a:p>
             <a:fld id="{6700A58B-DD98-43D0-B791-721480A02982}" type="datetime1">
               <a:rPr lang="en-US" smtClean="0"/>
-              <a:t>4/14/21</a:t>
+              <a:t>4/15/21</a:t>
             </a:fld>
             <a:endParaRPr lang="en-US"/>
           </a:p>
@@ -7028,7 +7028,7 @@
           <a:p>
             <a:fld id="{0D5B9A0F-CCD0-4348-8112-2A1A806F4019}" type="datetime1">
               <a:rPr lang="en-US" smtClean="0"/>
-              <a:t>4/14/21</a:t>
+              <a:t>4/15/21</a:t>
             </a:fld>
             <a:endParaRPr lang="en-US" dirty="0"/>
           </a:p>
@@ -7435,7 +7435,7 @@
           <a:p>
             <a:fld id="{0D5B9A0F-CCD0-4348-8112-2A1A806F4019}" type="datetime1">
               <a:rPr lang="en-US" smtClean="0"/>
-              <a:t>4/14/21</a:t>
+              <a:t>4/15/21</a:t>
             </a:fld>
             <a:endParaRPr lang="en-US" dirty="0"/>
           </a:p>
@@ -7715,7 +7715,7 @@
           <a:p>
             <a:fld id="{0D5B9A0F-CCD0-4348-8112-2A1A806F4019}" type="datetime1">
               <a:rPr lang="en-US" smtClean="0"/>
-              <a:t>4/14/21</a:t>
+              <a:t>4/15/21</a:t>
             </a:fld>
             <a:endParaRPr lang="en-US" dirty="0"/>
           </a:p>
@@ -7918,7 +7918,7 @@
           <a:p>
             <a:fld id="{0D5B9A0F-CCD0-4348-8112-2A1A806F4019}" type="datetime1">
               <a:rPr lang="en-US" smtClean="0"/>
-              <a:t>4/14/21</a:t>
+              <a:t>4/15/21</a:t>
             </a:fld>
             <a:endParaRPr lang="en-US" dirty="0"/>
           </a:p>
@@ -8377,7 +8377,7 @@
           <a:p>
             <a:fld id="{6700A58B-DD98-43D0-B791-721480A02982}" type="datetime1">
               <a:rPr lang="en-US" smtClean="0"/>
-              <a:t>4/14/21</a:t>
+              <a:t>4/15/21</a:t>
             </a:fld>
             <a:endParaRPr lang="en-US"/>
           </a:p>
@@ -8435,7 +8435,7 @@
           <a:p>
             <a:fld id="{0D5B9A0F-CCD0-4348-8112-2A1A806F4019}" type="datetime1">
               <a:rPr lang="en-US" smtClean="0"/>
-              <a:t>4/14/21</a:t>
+              <a:t>4/15/21</a:t>
             </a:fld>
             <a:endParaRPr lang="en-US" dirty="0"/>
           </a:p>
@@ -8688,7 +8688,7 @@
           <a:p>
             <a:fld id="{6700A58B-DD98-43D0-B791-721480A02982}" type="datetime1">
               <a:rPr lang="en-US" smtClean="0"/>
-              <a:t>4/14/21</a:t>
+              <a:t>4/15/21</a:t>
             </a:fld>
             <a:endParaRPr lang="en-US"/>
           </a:p>
